--- a/docs/diagrams/SDforAssignTaskCommandParser.pptx
+++ b/docs/diagrams/SDforAssignTaskCommandParser.pptx
@@ -104,6 +104,11 @@
       </a:defRPr>
     </a:lvl9pPr>
   </p:defaultTextStyle>
+  <p:extLst>
+    <p:ext uri="{EFAFB233-063F-42B5-8137-9DF3F51BA10A}">
+      <p15:sldGuideLst xmlns:p15="http://schemas.microsoft.com/office/powerpoint/2012/main"/>
+    </p:ext>
+  </p:extLst>
 </p:presentation>
 </file>
 
@@ -256,7 +261,7 @@
           <a:p>
             <a:fld id="{3F6561FD-B9BD-40EC-960F-E96B27A665D9}" type="datetimeFigureOut">
               <a:rPr lang="en-IN" smtClean="0"/>
-              <a:t>10-04-2018</a:t>
+              <a:t>15-04-2018</a:t>
             </a:fld>
             <a:endParaRPr lang="en-IN"/>
           </a:p>
@@ -456,7 +461,7 @@
           <a:p>
             <a:fld id="{3F6561FD-B9BD-40EC-960F-E96B27A665D9}" type="datetimeFigureOut">
               <a:rPr lang="en-IN" smtClean="0"/>
-              <a:t>10-04-2018</a:t>
+              <a:t>15-04-2018</a:t>
             </a:fld>
             <a:endParaRPr lang="en-IN"/>
           </a:p>
@@ -666,7 +671,7 @@
           <a:p>
             <a:fld id="{3F6561FD-B9BD-40EC-960F-E96B27A665D9}" type="datetimeFigureOut">
               <a:rPr lang="en-IN" smtClean="0"/>
-              <a:t>10-04-2018</a:t>
+              <a:t>15-04-2018</a:t>
             </a:fld>
             <a:endParaRPr lang="en-IN"/>
           </a:p>
@@ -866,7 +871,7 @@
           <a:p>
             <a:fld id="{3F6561FD-B9BD-40EC-960F-E96B27A665D9}" type="datetimeFigureOut">
               <a:rPr lang="en-IN" smtClean="0"/>
-              <a:t>10-04-2018</a:t>
+              <a:t>15-04-2018</a:t>
             </a:fld>
             <a:endParaRPr lang="en-IN"/>
           </a:p>
@@ -1142,7 +1147,7 @@
           <a:p>
             <a:fld id="{3F6561FD-B9BD-40EC-960F-E96B27A665D9}" type="datetimeFigureOut">
               <a:rPr lang="en-IN" smtClean="0"/>
-              <a:t>10-04-2018</a:t>
+              <a:t>15-04-2018</a:t>
             </a:fld>
             <a:endParaRPr lang="en-IN"/>
           </a:p>
@@ -1410,7 +1415,7 @@
           <a:p>
             <a:fld id="{3F6561FD-B9BD-40EC-960F-E96B27A665D9}" type="datetimeFigureOut">
               <a:rPr lang="en-IN" smtClean="0"/>
-              <a:t>10-04-2018</a:t>
+              <a:t>15-04-2018</a:t>
             </a:fld>
             <a:endParaRPr lang="en-IN"/>
           </a:p>
@@ -1825,7 +1830,7 @@
           <a:p>
             <a:fld id="{3F6561FD-B9BD-40EC-960F-E96B27A665D9}" type="datetimeFigureOut">
               <a:rPr lang="en-IN" smtClean="0"/>
-              <a:t>10-04-2018</a:t>
+              <a:t>15-04-2018</a:t>
             </a:fld>
             <a:endParaRPr lang="en-IN"/>
           </a:p>
@@ -1967,7 +1972,7 @@
           <a:p>
             <a:fld id="{3F6561FD-B9BD-40EC-960F-E96B27A665D9}" type="datetimeFigureOut">
               <a:rPr lang="en-IN" smtClean="0"/>
-              <a:t>10-04-2018</a:t>
+              <a:t>15-04-2018</a:t>
             </a:fld>
             <a:endParaRPr lang="en-IN"/>
           </a:p>
@@ -2080,7 +2085,7 @@
           <a:p>
             <a:fld id="{3F6561FD-B9BD-40EC-960F-E96B27A665D9}" type="datetimeFigureOut">
               <a:rPr lang="en-IN" smtClean="0"/>
-              <a:t>10-04-2018</a:t>
+              <a:t>15-04-2018</a:t>
             </a:fld>
             <a:endParaRPr lang="en-IN"/>
           </a:p>
@@ -2393,7 +2398,7 @@
           <a:p>
             <a:fld id="{3F6561FD-B9BD-40EC-960F-E96B27A665D9}" type="datetimeFigureOut">
               <a:rPr lang="en-IN" smtClean="0"/>
-              <a:t>10-04-2018</a:t>
+              <a:t>15-04-2018</a:t>
             </a:fld>
             <a:endParaRPr lang="en-IN"/>
           </a:p>
@@ -2682,7 +2687,7 @@
           <a:p>
             <a:fld id="{3F6561FD-B9BD-40EC-960F-E96B27A665D9}" type="datetimeFigureOut">
               <a:rPr lang="en-IN" smtClean="0"/>
-              <a:t>10-04-2018</a:t>
+              <a:t>15-04-2018</a:t>
             </a:fld>
             <a:endParaRPr lang="en-IN"/>
           </a:p>
@@ -2925,7 +2930,7 @@
           <a:p>
             <a:fld id="{3F6561FD-B9BD-40EC-960F-E96B27A665D9}" type="datetimeFigureOut">
               <a:rPr lang="en-IN" smtClean="0"/>
-              <a:t>10-04-2018</a:t>
+              <a:t>15-04-2018</a:t>
             </a:fld>
             <a:endParaRPr lang="en-IN"/>
           </a:p>
@@ -3344,6 +3349,70 @@
       </p:grpSpPr>
       <p:sp>
         <p:nvSpPr>
+          <p:cNvPr id="47" name="Rectangle 65">
+            <a:extLst>
+              <a:ext uri="{FF2B5EF4-FFF2-40B4-BE49-F238E27FC236}">
+                <a16:creationId xmlns:a16="http://schemas.microsoft.com/office/drawing/2014/main" id="{A502E05D-72BE-4650-98D0-C6A49C003085}"/>
+              </a:ext>
+            </a:extLst>
+          </p:cNvPr>
+          <p:cNvSpPr/>
+          <p:nvPr/>
+        </p:nvSpPr>
+        <p:spPr>
+          <a:xfrm>
+            <a:off x="8062736" y="1981200"/>
+            <a:ext cx="3066770" cy="4000286"/>
+          </a:xfrm>
+          <a:prstGeom prst="roundRect">
+            <a:avLst>
+              <a:gd name="adj" fmla="val 3484"/>
+            </a:avLst>
+          </a:prstGeom>
+          <a:solidFill>
+            <a:srgbClr val="E2D1EB"/>
+          </a:solidFill>
+          <a:ln w="19050">
+            <a:noFill/>
+          </a:ln>
+          <a:effectLst/>
+        </p:spPr>
+        <p:style>
+          <a:lnRef idx="1">
+            <a:schemeClr val="accent2"/>
+          </a:lnRef>
+          <a:fillRef idx="2">
+            <a:schemeClr val="accent2"/>
+          </a:fillRef>
+          <a:effectRef idx="1">
+            <a:schemeClr val="accent2"/>
+          </a:effectRef>
+          <a:fontRef idx="minor">
+            <a:schemeClr val="dk1"/>
+          </a:fontRef>
+        </p:style>
+        <p:txBody>
+          <a:bodyPr rtlCol="0" anchor="t"/>
+          <a:lstStyle/>
+          <a:p>
+            <a:r>
+              <a:rPr lang="en-US" sz="1200" b="1" dirty="0">
+                <a:solidFill>
+                  <a:srgbClr val="9933FF"/>
+                </a:solidFill>
+              </a:rPr>
+              <a:t>Model</a:t>
+            </a:r>
+            <a:endParaRPr lang="en-SG" sz="1200" b="1" dirty="0">
+              <a:solidFill>
+                <a:srgbClr val="9933FF"/>
+              </a:solidFill>
+            </a:endParaRPr>
+          </a:p>
+        </p:txBody>
+      </p:sp>
+      <p:sp>
+        <p:nvSpPr>
           <p:cNvPr id="4" name="Rectangle 65">
             <a:extLst>
               <a:ext uri="{FF2B5EF4-FFF2-40B4-BE49-F238E27FC236}">
@@ -4409,8 +4478,8 @@
         </p:nvSpPr>
         <p:spPr>
           <a:xfrm>
-            <a:off x="8704948" y="4516745"/>
-            <a:ext cx="152400" cy="199803"/>
+            <a:off x="8699015" y="4516745"/>
+            <a:ext cx="158333" cy="346760"/>
           </a:xfrm>
           <a:prstGeom prst="rect">
             <a:avLst/>
@@ -4508,7 +4577,7 @@
         </p:nvCxnSpPr>
         <p:spPr>
           <a:xfrm flipV="1">
-            <a:off x="6866922" y="4672902"/>
+            <a:off x="6866922" y="4813577"/>
             <a:ext cx="1838026" cy="9750"/>
           </a:xfrm>
           <a:prstGeom prst="straightConnector1">
@@ -5563,6 +5632,319 @@
           </a:p>
         </p:txBody>
       </p:sp>
+      <p:sp>
+        <p:nvSpPr>
+          <p:cNvPr id="48" name="Rectangle 62">
+            <a:extLst>
+              <a:ext uri="{FF2B5EF4-FFF2-40B4-BE49-F238E27FC236}">
+                <a16:creationId xmlns:a16="http://schemas.microsoft.com/office/drawing/2014/main" id="{9F9D14D5-9876-4FD3-92B2-56A8BC66A857}"/>
+              </a:ext>
+            </a:extLst>
+          </p:cNvPr>
+          <p:cNvSpPr/>
+          <p:nvPr/>
+        </p:nvSpPr>
+        <p:spPr>
+          <a:xfrm>
+            <a:off x="9597939" y="2291786"/>
+            <a:ext cx="1128678" cy="417174"/>
+          </a:xfrm>
+          <a:prstGeom prst="rect">
+            <a:avLst/>
+          </a:prstGeom>
+          <a:solidFill>
+            <a:srgbClr val="9933FF"/>
+          </a:solidFill>
+          <a:ln w="19050">
+            <a:solidFill>
+              <a:srgbClr val="6F75F7"/>
+            </a:solidFill>
+          </a:ln>
+          <a:effectLst/>
+        </p:spPr>
+        <p:style>
+          <a:lnRef idx="1">
+            <a:schemeClr val="accent2"/>
+          </a:lnRef>
+          <a:fillRef idx="2">
+            <a:schemeClr val="accent2"/>
+          </a:fillRef>
+          <a:effectRef idx="1">
+            <a:schemeClr val="accent2"/>
+          </a:effectRef>
+          <a:fontRef idx="minor">
+            <a:schemeClr val="dk1"/>
+          </a:fontRef>
+        </p:style>
+        <p:txBody>
+          <a:bodyPr rtlCol="0" anchor="ctr"/>
+          <a:lstStyle/>
+          <a:p>
+            <a:pPr algn="ctr"/>
+            <a:r>
+              <a:rPr lang="en-US" sz="1100" dirty="0">
+                <a:solidFill>
+                  <a:schemeClr val="bg1"/>
+                </a:solidFill>
+              </a:rPr>
+              <a:t>:</a:t>
+            </a:r>
+            <a:r>
+              <a:rPr lang="en-US" sz="1100" dirty="0" err="1">
+                <a:solidFill>
+                  <a:schemeClr val="bg1"/>
+                </a:solidFill>
+              </a:rPr>
+              <a:t>UniqueTaskList</a:t>
+            </a:r>
+            <a:endParaRPr lang="en-SG" sz="1100" dirty="0">
+              <a:solidFill>
+                <a:schemeClr val="bg1"/>
+              </a:solidFill>
+            </a:endParaRPr>
+          </a:p>
+        </p:txBody>
+      </p:sp>
+      <p:cxnSp>
+        <p:nvCxnSpPr>
+          <p:cNvPr id="49" name="Straight Connector 48">
+            <a:extLst>
+              <a:ext uri="{FF2B5EF4-FFF2-40B4-BE49-F238E27FC236}">
+                <a16:creationId xmlns:a16="http://schemas.microsoft.com/office/drawing/2014/main" id="{89CA07B3-93D4-4784-BCD9-BF79626AE492}"/>
+              </a:ext>
+            </a:extLst>
+          </p:cNvPr>
+          <p:cNvCxnSpPr/>
+          <p:nvPr/>
+        </p:nvCxnSpPr>
+        <p:spPr>
+          <a:xfrm>
+            <a:off x="10113191" y="2700858"/>
+            <a:ext cx="0" cy="2830598"/>
+          </a:xfrm>
+          <a:prstGeom prst="line">
+            <a:avLst/>
+          </a:prstGeom>
+          <a:ln w="19050">
+            <a:solidFill>
+              <a:srgbClr val="9933FF"/>
+            </a:solidFill>
+            <a:prstDash val="sysDash"/>
+          </a:ln>
+          <a:effectLst/>
+        </p:spPr>
+        <p:style>
+          <a:lnRef idx="1">
+            <a:schemeClr val="accent1"/>
+          </a:lnRef>
+          <a:fillRef idx="2">
+            <a:schemeClr val="accent1"/>
+          </a:fillRef>
+          <a:effectRef idx="1">
+            <a:schemeClr val="accent1"/>
+          </a:effectRef>
+          <a:fontRef idx="minor">
+            <a:schemeClr val="dk1"/>
+          </a:fontRef>
+        </p:style>
+      </p:cxnSp>
+      <p:sp>
+        <p:nvSpPr>
+          <p:cNvPr id="50" name="Rectangle 49">
+            <a:extLst>
+              <a:ext uri="{FF2B5EF4-FFF2-40B4-BE49-F238E27FC236}">
+                <a16:creationId xmlns:a16="http://schemas.microsoft.com/office/drawing/2014/main" id="{AD9F349A-8894-4B84-9335-E279B252BDFC}"/>
+              </a:ext>
+            </a:extLst>
+          </p:cNvPr>
+          <p:cNvSpPr/>
+          <p:nvPr/>
+        </p:nvSpPr>
+        <p:spPr>
+          <a:xfrm>
+            <a:off x="10036991" y="4566214"/>
+            <a:ext cx="152400" cy="199803"/>
+          </a:xfrm>
+          <a:prstGeom prst="rect">
+            <a:avLst/>
+          </a:prstGeom>
+          <a:solidFill>
+            <a:srgbClr val="9933FF"/>
+          </a:solidFill>
+          <a:ln>
+            <a:solidFill>
+              <a:srgbClr val="6F75F7"/>
+            </a:solidFill>
+          </a:ln>
+          <a:effectLst/>
+        </p:spPr>
+        <p:style>
+          <a:lnRef idx="1">
+            <a:schemeClr val="accent3"/>
+          </a:lnRef>
+          <a:fillRef idx="2">
+            <a:schemeClr val="accent3"/>
+          </a:fillRef>
+          <a:effectRef idx="1">
+            <a:schemeClr val="accent3"/>
+          </a:effectRef>
+          <a:fontRef idx="minor">
+            <a:schemeClr val="dk1"/>
+          </a:fontRef>
+        </p:style>
+        <p:txBody>
+          <a:bodyPr rtlCol="0" anchor="ctr"/>
+          <a:lstStyle/>
+          <a:p>
+            <a:pPr algn="ctr"/>
+            <a:endParaRPr lang="en-SG" sz="1400">
+              <a:solidFill>
+                <a:schemeClr val="dk1"/>
+              </a:solidFill>
+            </a:endParaRPr>
+          </a:p>
+        </p:txBody>
+      </p:sp>
+      <p:cxnSp>
+        <p:nvCxnSpPr>
+          <p:cNvPr id="51" name="Straight Arrow Connector 50">
+            <a:extLst>
+              <a:ext uri="{FF2B5EF4-FFF2-40B4-BE49-F238E27FC236}">
+                <a16:creationId xmlns:a16="http://schemas.microsoft.com/office/drawing/2014/main" id="{D39E0988-FF2D-4FF7-B49D-16E181DF4426}"/>
+              </a:ext>
+            </a:extLst>
+          </p:cNvPr>
+          <p:cNvCxnSpPr>
+            <a:cxnSpLocks/>
+          </p:cNvCxnSpPr>
+          <p:nvPr/>
+        </p:nvCxnSpPr>
+        <p:spPr>
+          <a:xfrm>
+            <a:off x="8883724" y="4637242"/>
+            <a:ext cx="1128678" cy="0"/>
+          </a:xfrm>
+          <a:prstGeom prst="straightConnector1">
+            <a:avLst/>
+          </a:prstGeom>
+          <a:ln w="19050">
+            <a:solidFill>
+              <a:srgbClr val="9933FF"/>
+            </a:solidFill>
+            <a:tailEnd type="arrow"/>
+          </a:ln>
+        </p:spPr>
+        <p:style>
+          <a:lnRef idx="1">
+            <a:schemeClr val="accent1"/>
+          </a:lnRef>
+          <a:fillRef idx="0">
+            <a:schemeClr val="accent1"/>
+          </a:fillRef>
+          <a:effectRef idx="0">
+            <a:schemeClr val="accent1"/>
+          </a:effectRef>
+          <a:fontRef idx="minor">
+            <a:schemeClr val="tx1"/>
+          </a:fontRef>
+        </p:style>
+      </p:cxnSp>
+      <p:sp>
+        <p:nvSpPr>
+          <p:cNvPr id="52" name="TextBox 51">
+            <a:extLst>
+              <a:ext uri="{FF2B5EF4-FFF2-40B4-BE49-F238E27FC236}">
+                <a16:creationId xmlns:a16="http://schemas.microsoft.com/office/drawing/2014/main" id="{F43F2C95-8C80-4CBA-AAB9-058E31FB84E8}"/>
+              </a:ext>
+            </a:extLst>
+          </p:cNvPr>
+          <p:cNvSpPr txBox="1"/>
+          <p:nvPr/>
+        </p:nvSpPr>
+        <p:spPr>
+          <a:xfrm>
+            <a:off x="9489504" y="4468093"/>
+            <a:ext cx="362851" cy="161583"/>
+          </a:xfrm>
+          <a:prstGeom prst="rect">
+            <a:avLst/>
+          </a:prstGeom>
+          <a:noFill/>
+        </p:spPr>
+        <p:txBody>
+          <a:bodyPr wrap="square" lIns="0" tIns="0" rIns="0" bIns="0" rtlCol="0">
+            <a:spAutoFit/>
+          </a:bodyPr>
+          <a:lstStyle>
+            <a:defPPr>
+              <a:defRPr lang="en-US"/>
+            </a:defPPr>
+            <a:lvl1pPr algn="r">
+              <a:defRPr sz="1400">
+                <a:solidFill>
+                  <a:srgbClr val="0070C0"/>
+                </a:solidFill>
+              </a:defRPr>
+            </a:lvl1pPr>
+          </a:lstStyle>
+          <a:p>
+            <a:r>
+              <a:rPr lang="en-US" sz="1050" dirty="0">
+                <a:solidFill>
+                  <a:srgbClr val="7030A0"/>
+                </a:solidFill>
+              </a:rPr>
+              <a:t>add()</a:t>
+            </a:r>
+          </a:p>
+        </p:txBody>
+      </p:sp>
+      <p:cxnSp>
+        <p:nvCxnSpPr>
+          <p:cNvPr id="53" name="Straight Arrow Connector 52">
+            <a:extLst>
+              <a:ext uri="{FF2B5EF4-FFF2-40B4-BE49-F238E27FC236}">
+                <a16:creationId xmlns:a16="http://schemas.microsoft.com/office/drawing/2014/main" id="{5595DF67-EB6B-4E46-B1EA-5598C3DF5C0E}"/>
+              </a:ext>
+            </a:extLst>
+          </p:cNvPr>
+          <p:cNvCxnSpPr>
+            <a:cxnSpLocks/>
+          </p:cNvCxnSpPr>
+          <p:nvPr/>
+        </p:nvCxnSpPr>
+        <p:spPr>
+          <a:xfrm>
+            <a:off x="8890730" y="4737930"/>
+            <a:ext cx="1095296" cy="6709"/>
+          </a:xfrm>
+          <a:prstGeom prst="straightConnector1">
+            <a:avLst/>
+          </a:prstGeom>
+          <a:ln w="19050">
+            <a:solidFill>
+              <a:srgbClr val="9933FF"/>
+            </a:solidFill>
+            <a:prstDash val="sysDash"/>
+            <a:headEnd type="arrow" w="med" len="med"/>
+            <a:tailEnd type="none" w="med" len="med"/>
+          </a:ln>
+        </p:spPr>
+        <p:style>
+          <a:lnRef idx="1">
+            <a:schemeClr val="accent1"/>
+          </a:lnRef>
+          <a:fillRef idx="0">
+            <a:schemeClr val="accent1"/>
+          </a:fillRef>
+          <a:effectRef idx="0">
+            <a:schemeClr val="accent1"/>
+          </a:effectRef>
+          <a:fontRef idx="minor">
+            <a:schemeClr val="tx1"/>
+          </a:fontRef>
+        </p:style>
+      </p:cxnSp>
     </p:spTree>
     <p:extLst>
       <p:ext uri="{BB962C8B-B14F-4D97-AF65-F5344CB8AC3E}">
